--- a/cloudera-framework-main/cloudera-framework-main-archetype/src/main/resources/archetype-resources/src/site/resources/Archetype_Architecture.pptx
+++ b/cloudera-framework-main/cloudera-framework-main-archetype/src/main/resources/archetype-resources/src/site/resources/Archetype_Architecture.pptx
@@ -197,7 +197,7 @@
           <a:p>
             <a:fld id="{C5389D1C-CB14-984D-9CE7-9AA778768F1D}" type="datetimeFigureOut">
               <a:rPr lang="en-US" smtClean="0"/>
-              <a:t>07/09/15</a:t>
+              <a:t>22/09/15</a:t>
             </a:fld>
             <a:endParaRPr lang="en-GB"/>
           </a:p>
@@ -21161,199 +21161,13 @@
       </p:cxnSp>
       <p:grpSp>
         <p:nvGrpSpPr>
-          <p:cNvPr id="142" name="Group 141"/>
-          <p:cNvGrpSpPr/>
-          <p:nvPr/>
-        </p:nvGrpSpPr>
-        <p:grpSpPr>
-          <a:xfrm>
-            <a:off x="6221137" y="2038829"/>
-            <a:ext cx="1019700" cy="968860"/>
-            <a:chOff x="405780" y="1290494"/>
-            <a:chExt cx="1019700" cy="968860"/>
-          </a:xfrm>
-        </p:grpSpPr>
-        <p:sp>
-          <p:nvSpPr>
-            <p:cNvPr id="143" name="Rounded Rectangle 142"/>
-            <p:cNvSpPr/>
-            <p:nvPr/>
-          </p:nvSpPr>
-          <p:spPr>
-            <a:xfrm>
-              <a:off x="405780" y="1290494"/>
-              <a:ext cx="1019700" cy="968860"/>
-            </a:xfrm>
-            <a:prstGeom prst="roundRect">
-              <a:avLst>
-                <a:gd name="adj" fmla="val 8610"/>
-              </a:avLst>
-            </a:prstGeom>
-            <a:solidFill>
-              <a:schemeClr val="bg1">
-                <a:lumMod val="85000"/>
-              </a:schemeClr>
-            </a:solidFill>
-            <a:ln w="38100" cmpd="sng">
-              <a:noFill/>
-            </a:ln>
-          </p:spPr>
-          <p:style>
-            <a:lnRef idx="2">
-              <a:schemeClr val="dk1"/>
-            </a:lnRef>
-            <a:fillRef idx="1">
-              <a:schemeClr val="lt1"/>
-            </a:fillRef>
-            <a:effectRef idx="0">
-              <a:schemeClr val="dk1"/>
-            </a:effectRef>
-            <a:fontRef idx="minor">
-              <a:schemeClr val="dk1"/>
-            </a:fontRef>
-          </p:style>
-          <p:txBody>
-            <a:bodyPr rtlCol="0" anchor="t" anchorCtr="0"/>
-            <a:lstStyle/>
-            <a:p>
-              <a:pPr algn="ctr"/>
-              <a:r>
-                <a:rPr lang="en-US" sz="1400" dirty="0" smtClean="0">
-                  <a:cs typeface="Calibri Light"/>
-                </a:rPr>
-                <a:t>Flume</a:t>
-              </a:r>
-            </a:p>
-          </p:txBody>
-        </p:sp>
-        <p:sp>
-          <p:nvSpPr>
-            <p:cNvPr id="144" name="Rounded Rectangle 143"/>
-            <p:cNvSpPr/>
-            <p:nvPr/>
-          </p:nvSpPr>
-          <p:spPr>
-            <a:xfrm>
-              <a:off x="514804" y="1615846"/>
-              <a:ext cx="801652" cy="236223"/>
-            </a:xfrm>
-            <a:prstGeom prst="roundRect">
-              <a:avLst/>
-            </a:prstGeom>
-            <a:solidFill>
-              <a:schemeClr val="tx2"/>
-            </a:solidFill>
-            <a:ln>
-              <a:solidFill>
-                <a:schemeClr val="tx2"/>
-              </a:solidFill>
-            </a:ln>
-          </p:spPr>
-          <p:style>
-            <a:lnRef idx="2">
-              <a:schemeClr val="dk1">
-                <a:shade val="50000"/>
-              </a:schemeClr>
-            </a:lnRef>
-            <a:fillRef idx="1">
-              <a:schemeClr val="dk1"/>
-            </a:fillRef>
-            <a:effectRef idx="0">
-              <a:schemeClr val="dk1"/>
-            </a:effectRef>
-            <a:fontRef idx="minor">
-              <a:schemeClr val="lt1"/>
-            </a:fontRef>
-          </p:style>
-          <p:txBody>
-            <a:bodyPr rtlCol="0" anchor="ctr"/>
-            <a:lstStyle/>
-            <a:p>
-              <a:pPr algn="ctr"/>
-              <a:r>
-                <a:rPr lang="en-US" sz="1000" dirty="0" smtClean="0">
-                  <a:cs typeface="Calibri Light"/>
-                </a:rPr>
-                <a:t>Channel</a:t>
-              </a:r>
-              <a:endParaRPr lang="en-US" sz="1000" dirty="0">
-                <a:solidFill>
-                  <a:srgbClr val="29A7DE"/>
-                </a:solidFill>
-                <a:cs typeface="Calibri Light"/>
-              </a:endParaRPr>
-            </a:p>
-          </p:txBody>
-        </p:sp>
-        <p:sp>
-          <p:nvSpPr>
-            <p:cNvPr id="145" name="Rounded Rectangle 144"/>
-            <p:cNvSpPr/>
-            <p:nvPr/>
-          </p:nvSpPr>
-          <p:spPr>
-            <a:xfrm>
-              <a:off x="514804" y="1923835"/>
-              <a:ext cx="801652" cy="236223"/>
-            </a:xfrm>
-            <a:prstGeom prst="roundRect">
-              <a:avLst/>
-            </a:prstGeom>
-            <a:solidFill>
-              <a:schemeClr val="tx2"/>
-            </a:solidFill>
-            <a:ln>
-              <a:solidFill>
-                <a:schemeClr val="tx2"/>
-              </a:solidFill>
-            </a:ln>
-          </p:spPr>
-          <p:style>
-            <a:lnRef idx="2">
-              <a:schemeClr val="dk1">
-                <a:shade val="50000"/>
-              </a:schemeClr>
-            </a:lnRef>
-            <a:fillRef idx="1">
-              <a:schemeClr val="dk1"/>
-            </a:fillRef>
-            <a:effectRef idx="0">
-              <a:schemeClr val="dk1"/>
-            </a:effectRef>
-            <a:fontRef idx="minor">
-              <a:schemeClr val="lt1"/>
-            </a:fontRef>
-          </p:style>
-          <p:txBody>
-            <a:bodyPr rtlCol="0" anchor="ctr"/>
-            <a:lstStyle/>
-            <a:p>
-              <a:pPr algn="ctr"/>
-              <a:r>
-                <a:rPr lang="en-US" sz="1000" dirty="0" smtClean="0">
-                  <a:cs typeface="Calibri Light"/>
-                </a:rPr>
-                <a:t>Memory</a:t>
-              </a:r>
-              <a:endParaRPr lang="en-US" sz="1000" dirty="0">
-                <a:solidFill>
-                  <a:srgbClr val="29A7DE"/>
-                </a:solidFill>
-                <a:cs typeface="Calibri Light"/>
-              </a:endParaRPr>
-            </a:p>
-          </p:txBody>
-        </p:sp>
-      </p:grpSp>
-      <p:grpSp>
-        <p:nvGrpSpPr>
           <p:cNvPr id="146" name="Group 145"/>
           <p:cNvGrpSpPr/>
           <p:nvPr/>
         </p:nvGrpSpPr>
         <p:grpSpPr>
           <a:xfrm>
-            <a:off x="7410694" y="2038829"/>
+            <a:off x="5031581" y="2038829"/>
             <a:ext cx="1019700" cy="968860"/>
             <a:chOff x="405780" y="2372762"/>
             <a:chExt cx="1019700" cy="968860"/>
@@ -21531,46 +21345,6 @@
           </p:txBody>
         </p:sp>
       </p:grpSp>
-      <p:cxnSp>
-        <p:nvCxnSpPr>
-          <p:cNvPr id="150" name="Straight Arrow Connector 149"/>
-          <p:cNvCxnSpPr>
-            <a:stCxn id="147" idx="1"/>
-            <a:endCxn id="143" idx="3"/>
-          </p:cNvCxnSpPr>
-          <p:nvPr/>
-        </p:nvCxnSpPr>
-        <p:spPr>
-          <a:xfrm flipH="1">
-            <a:off x="7240837" y="2523259"/>
-            <a:ext cx="169857" cy="0"/>
-          </a:xfrm>
-          <a:prstGeom prst="straightConnector1">
-            <a:avLst/>
-          </a:prstGeom>
-          <a:ln w="12700">
-            <a:solidFill>
-              <a:schemeClr val="tx1"/>
-            </a:solidFill>
-            <a:tailEnd type="triangle"/>
-          </a:ln>
-          <a:effectLst/>
-        </p:spPr>
-        <p:style>
-          <a:lnRef idx="2">
-            <a:schemeClr val="accent1"/>
-          </a:lnRef>
-          <a:fillRef idx="0">
-            <a:schemeClr val="accent1"/>
-          </a:fillRef>
-          <a:effectRef idx="1">
-            <a:schemeClr val="accent1"/>
-          </a:effectRef>
-          <a:fontRef idx="minor">
-            <a:schemeClr val="tx1"/>
-          </a:fontRef>
-        </p:style>
-      </p:cxnSp>
       <p:grpSp>
         <p:nvGrpSpPr>
           <p:cNvPr id="151" name="Group 150"/>
@@ -21579,7 +21353,7 @@
         </p:nvGrpSpPr>
         <p:grpSpPr>
           <a:xfrm>
-            <a:off x="8600251" y="2038829"/>
+            <a:off x="6221138" y="2038829"/>
             <a:ext cx="1019700" cy="968860"/>
             <a:chOff x="405780" y="2372762"/>
             <a:chExt cx="1019700" cy="968860"/>
@@ -21768,7 +21542,7 @@
         </p:nvCxnSpPr>
         <p:spPr>
           <a:xfrm>
-            <a:off x="8430394" y="2523259"/>
+            <a:off x="6051281" y="2523259"/>
             <a:ext cx="169857" cy="0"/>
           </a:xfrm>
           <a:prstGeom prst="straightConnector1">
@@ -22249,237 +22023,11 @@
           </a:fontRef>
         </p:style>
       </p:cxnSp>
-      <p:grpSp>
-        <p:nvGrpSpPr>
-          <p:cNvPr id="180" name="Group 179"/>
-          <p:cNvGrpSpPr/>
-          <p:nvPr/>
-        </p:nvGrpSpPr>
-        <p:grpSpPr>
-          <a:xfrm>
-            <a:off x="5028278" y="2038829"/>
-            <a:ext cx="1019700" cy="968860"/>
-            <a:chOff x="1557908" y="1290494"/>
-            <a:chExt cx="1019700" cy="968860"/>
-          </a:xfrm>
-        </p:grpSpPr>
-        <p:sp>
-          <p:nvSpPr>
-            <p:cNvPr id="181" name="Rounded Rectangle 180"/>
-            <p:cNvSpPr/>
-            <p:nvPr/>
-          </p:nvSpPr>
-          <p:spPr>
-            <a:xfrm>
-              <a:off x="1557908" y="1290494"/>
-              <a:ext cx="1019700" cy="968860"/>
-            </a:xfrm>
-            <a:prstGeom prst="roundRect">
-              <a:avLst>
-                <a:gd name="adj" fmla="val 8610"/>
-              </a:avLst>
-            </a:prstGeom>
-            <a:solidFill>
-              <a:schemeClr val="bg1">
-                <a:lumMod val="85000"/>
-              </a:schemeClr>
-            </a:solidFill>
-            <a:ln w="38100" cmpd="sng">
-              <a:noFill/>
-            </a:ln>
-          </p:spPr>
-          <p:style>
-            <a:lnRef idx="2">
-              <a:schemeClr val="dk1"/>
-            </a:lnRef>
-            <a:fillRef idx="1">
-              <a:schemeClr val="lt1"/>
-            </a:fillRef>
-            <a:effectRef idx="0">
-              <a:schemeClr val="dk1"/>
-            </a:effectRef>
-            <a:fontRef idx="minor">
-              <a:schemeClr val="dk1"/>
-            </a:fontRef>
-          </p:style>
-          <p:txBody>
-            <a:bodyPr rtlCol="0" anchor="t" anchorCtr="0"/>
-            <a:lstStyle/>
-            <a:p>
-              <a:pPr algn="ctr"/>
-              <a:r>
-                <a:rPr lang="en-US" sz="1400" dirty="0" smtClean="0">
-                  <a:cs typeface="Calibri Light"/>
-                </a:rPr>
-                <a:t>Flume</a:t>
-              </a:r>
-            </a:p>
-          </p:txBody>
-        </p:sp>
-        <p:sp>
-          <p:nvSpPr>
-            <p:cNvPr id="186" name="Rounded Rectangle 185"/>
-            <p:cNvSpPr/>
-            <p:nvPr/>
-          </p:nvSpPr>
-          <p:spPr>
-            <a:xfrm>
-              <a:off x="1666932" y="1615846"/>
-              <a:ext cx="801652" cy="236223"/>
-            </a:xfrm>
-            <a:prstGeom prst="roundRect">
-              <a:avLst/>
-            </a:prstGeom>
-            <a:solidFill>
-              <a:schemeClr val="tx2"/>
-            </a:solidFill>
-            <a:ln>
-              <a:solidFill>
-                <a:schemeClr val="tx2"/>
-              </a:solidFill>
-            </a:ln>
-          </p:spPr>
-          <p:style>
-            <a:lnRef idx="2">
-              <a:schemeClr val="dk1">
-                <a:shade val="50000"/>
-              </a:schemeClr>
-            </a:lnRef>
-            <a:fillRef idx="1">
-              <a:schemeClr val="dk1"/>
-            </a:fillRef>
-            <a:effectRef idx="0">
-              <a:schemeClr val="dk1"/>
-            </a:effectRef>
-            <a:fontRef idx="minor">
-              <a:schemeClr val="lt1"/>
-            </a:fontRef>
-          </p:style>
-          <p:txBody>
-            <a:bodyPr rtlCol="0" anchor="ctr"/>
-            <a:lstStyle/>
-            <a:p>
-              <a:pPr algn="ctr"/>
-              <a:r>
-                <a:rPr lang="en-US" sz="1000" dirty="0" smtClean="0">
-                  <a:cs typeface="Calibri Light"/>
-                </a:rPr>
-                <a:t>Source</a:t>
-              </a:r>
-              <a:endParaRPr lang="en-US" sz="1000" dirty="0">
-                <a:solidFill>
-                  <a:srgbClr val="29A7DE"/>
-                </a:solidFill>
-                <a:cs typeface="Calibri Light"/>
-              </a:endParaRPr>
-            </a:p>
-          </p:txBody>
-        </p:sp>
-        <p:sp>
-          <p:nvSpPr>
-            <p:cNvPr id="193" name="Rounded Rectangle 192"/>
-            <p:cNvSpPr/>
-            <p:nvPr/>
-          </p:nvSpPr>
-          <p:spPr>
-            <a:xfrm>
-              <a:off x="1666932" y="1923835"/>
-              <a:ext cx="801652" cy="236223"/>
-            </a:xfrm>
-            <a:prstGeom prst="roundRect">
-              <a:avLst/>
-            </a:prstGeom>
-            <a:solidFill>
-              <a:schemeClr val="tx2"/>
-            </a:solidFill>
-            <a:ln>
-              <a:solidFill>
-                <a:schemeClr val="tx2"/>
-              </a:solidFill>
-            </a:ln>
-          </p:spPr>
-          <p:style>
-            <a:lnRef idx="2">
-              <a:schemeClr val="dk1">
-                <a:shade val="50000"/>
-              </a:schemeClr>
-            </a:lnRef>
-            <a:fillRef idx="1">
-              <a:schemeClr val="dk1"/>
-            </a:fillRef>
-            <a:effectRef idx="0">
-              <a:schemeClr val="dk1"/>
-            </a:effectRef>
-            <a:fontRef idx="minor">
-              <a:schemeClr val="lt1"/>
-            </a:fontRef>
-          </p:style>
-          <p:txBody>
-            <a:bodyPr rtlCol="0" anchor="ctr"/>
-            <a:lstStyle/>
-            <a:p>
-              <a:pPr algn="ctr"/>
-              <a:r>
-                <a:rPr lang="en-US" sz="1000" dirty="0" smtClean="0">
-                  <a:cs typeface="Calibri Light"/>
-                </a:rPr>
-                <a:t>Kafka</a:t>
-              </a:r>
-              <a:endParaRPr lang="en-US" sz="1000" dirty="0">
-                <a:solidFill>
-                  <a:srgbClr val="29A7DE"/>
-                </a:solidFill>
-                <a:cs typeface="Calibri Light"/>
-              </a:endParaRPr>
-            </a:p>
-          </p:txBody>
-        </p:sp>
-      </p:grpSp>
-      <p:cxnSp>
-        <p:nvCxnSpPr>
-          <p:cNvPr id="202" name="Straight Arrow Connector 201"/>
-          <p:cNvCxnSpPr>
-            <a:stCxn id="181" idx="3"/>
-            <a:endCxn id="143" idx="1"/>
-          </p:cNvCxnSpPr>
-          <p:nvPr/>
-        </p:nvCxnSpPr>
-        <p:spPr>
-          <a:xfrm>
-            <a:off x="6047978" y="2523259"/>
-            <a:ext cx="173159" cy="0"/>
-          </a:xfrm>
-          <a:prstGeom prst="straightConnector1">
-            <a:avLst/>
-          </a:prstGeom>
-          <a:ln w="12700">
-            <a:solidFill>
-              <a:schemeClr val="tx1"/>
-            </a:solidFill>
-            <a:tailEnd type="triangle"/>
-          </a:ln>
-          <a:effectLst/>
-        </p:spPr>
-        <p:style>
-          <a:lnRef idx="2">
-            <a:schemeClr val="accent1"/>
-          </a:lnRef>
-          <a:fillRef idx="0">
-            <a:schemeClr val="accent1"/>
-          </a:fillRef>
-          <a:effectRef idx="1">
-            <a:schemeClr val="accent1"/>
-          </a:effectRef>
-          <a:fontRef idx="minor">
-            <a:schemeClr val="tx1"/>
-          </a:fontRef>
-        </p:style>
-      </p:cxnSp>
       <p:cxnSp>
         <p:nvCxnSpPr>
           <p:cNvPr id="204" name="Straight Arrow Connector 218"/>
           <p:cNvCxnSpPr>
-            <a:stCxn id="181" idx="1"/>
+            <a:stCxn id="147" idx="1"/>
             <a:endCxn id="183" idx="3"/>
           </p:cNvCxnSpPr>
           <p:nvPr/>
@@ -22487,7 +22035,7 @@
         <p:spPr>
           <a:xfrm flipH="1" flipV="1">
             <a:off x="3672166" y="2105713"/>
-            <a:ext cx="1356112" cy="417546"/>
+            <a:ext cx="1359415" cy="417546"/>
           </a:xfrm>
           <a:prstGeom prst="straightConnector1">
             <a:avLst/>
@@ -24578,7 +24126,7 @@
                                           </p:stCondLst>
                                         </p:cTn>
                                         <p:tgtEl>
-                                          <p:spTgt spid="202"/>
+                                          <p:spTgt spid="158"/>
                                         </p:tgtEl>
                                         <p:attrNameLst>
                                           <p:attrName>style.visibility</p:attrName>
@@ -24605,7 +24153,7 @@
                                           </p:stCondLst>
                                         </p:cTn>
                                         <p:tgtEl>
-                                          <p:spTgt spid="180"/>
+                                          <p:spTgt spid="146"/>
                                         </p:tgtEl>
                                         <p:attrNameLst>
                                           <p:attrName>style.visibility</p:attrName>
@@ -24627,132 +24175,6 @@
                                     <p:set>
                                       <p:cBhvr>
                                         <p:cTn id="128" dur="1" fill="hold">
-                                          <p:stCondLst>
-                                            <p:cond delay="0"/>
-                                          </p:stCondLst>
-                                        </p:cTn>
-                                        <p:tgtEl>
-                                          <p:spTgt spid="142"/>
-                                        </p:tgtEl>
-                                        <p:attrNameLst>
-                                          <p:attrName>style.visibility</p:attrName>
-                                        </p:attrNameLst>
-                                      </p:cBhvr>
-                                      <p:to>
-                                        <p:strVal val="visible"/>
-                                      </p:to>
-                                    </p:set>
-                                  </p:childTnLst>
-                                </p:cTn>
-                              </p:par>
-                            </p:childTnLst>
-                          </p:cTn>
-                        </p:par>
-                      </p:childTnLst>
-                    </p:cTn>
-                  </p:par>
-                  <p:par>
-                    <p:cTn id="129" fill="hold">
-                      <p:stCondLst>
-                        <p:cond delay="indefinite"/>
-                      </p:stCondLst>
-                      <p:childTnLst>
-                        <p:par>
-                          <p:cTn id="130" fill="hold">
-                            <p:stCondLst>
-                              <p:cond delay="0"/>
-                            </p:stCondLst>
-                            <p:childTnLst>
-                              <p:par>
-                                <p:cTn id="131" presetID="1" presetClass="entr" presetSubtype="0" fill="hold" nodeType="clickEffect">
-                                  <p:stCondLst>
-                                    <p:cond delay="0"/>
-                                  </p:stCondLst>
-                                  <p:childTnLst>
-                                    <p:set>
-                                      <p:cBhvr>
-                                        <p:cTn id="132" dur="1" fill="hold">
-                                          <p:stCondLst>
-                                            <p:cond delay="0"/>
-                                          </p:stCondLst>
-                                        </p:cTn>
-                                        <p:tgtEl>
-                                          <p:spTgt spid="150"/>
-                                        </p:tgtEl>
-                                        <p:attrNameLst>
-                                          <p:attrName>style.visibility</p:attrName>
-                                        </p:attrNameLst>
-                                      </p:cBhvr>
-                                      <p:to>
-                                        <p:strVal val="visible"/>
-                                      </p:to>
-                                    </p:set>
-                                  </p:childTnLst>
-                                </p:cTn>
-                              </p:par>
-                              <p:par>
-                                <p:cTn id="133" presetID="1" presetClass="entr" presetSubtype="0" fill="hold" nodeType="withEffect">
-                                  <p:stCondLst>
-                                    <p:cond delay="0"/>
-                                  </p:stCondLst>
-                                  <p:childTnLst>
-                                    <p:set>
-                                      <p:cBhvr>
-                                        <p:cTn id="134" dur="1" fill="hold">
-                                          <p:stCondLst>
-                                            <p:cond delay="0"/>
-                                          </p:stCondLst>
-                                        </p:cTn>
-                                        <p:tgtEl>
-                                          <p:spTgt spid="158"/>
-                                        </p:tgtEl>
-                                        <p:attrNameLst>
-                                          <p:attrName>style.visibility</p:attrName>
-                                        </p:attrNameLst>
-                                      </p:cBhvr>
-                                      <p:to>
-                                        <p:strVal val="visible"/>
-                                      </p:to>
-                                    </p:set>
-                                  </p:childTnLst>
-                                </p:cTn>
-                              </p:par>
-                              <p:par>
-                                <p:cTn id="135" presetID="1" presetClass="entr" presetSubtype="0" fill="hold" nodeType="withEffect">
-                                  <p:stCondLst>
-                                    <p:cond delay="0"/>
-                                  </p:stCondLst>
-                                  <p:childTnLst>
-                                    <p:set>
-                                      <p:cBhvr>
-                                        <p:cTn id="136" dur="1" fill="hold">
-                                          <p:stCondLst>
-                                            <p:cond delay="0"/>
-                                          </p:stCondLst>
-                                        </p:cTn>
-                                        <p:tgtEl>
-                                          <p:spTgt spid="146"/>
-                                        </p:tgtEl>
-                                        <p:attrNameLst>
-                                          <p:attrName>style.visibility</p:attrName>
-                                        </p:attrNameLst>
-                                      </p:cBhvr>
-                                      <p:to>
-                                        <p:strVal val="visible"/>
-                                      </p:to>
-                                    </p:set>
-                                  </p:childTnLst>
-                                </p:cTn>
-                              </p:par>
-                              <p:par>
-                                <p:cTn id="137" presetID="1" presetClass="entr" presetSubtype="0" fill="hold" nodeType="withEffect">
-                                  <p:stCondLst>
-                                    <p:cond delay="0"/>
-                                  </p:stCondLst>
-                                  <p:childTnLst>
-                                    <p:set>
-                                      <p:cBhvr>
-                                        <p:cTn id="138" dur="1" fill="hold">
                                           <p:stCondLst>
                                             <p:cond delay="0"/>
                                           </p:stCondLst>
@@ -24878,7 +24300,6 @@
               <a:rPr lang="en-GB" dirty="0"/>
               <a:t>Data access, governance and management</a:t>
             </a:r>
-            <a:endParaRPr lang="en-GB" dirty="0"/>
           </a:p>
         </p:txBody>
       </p:sp>
@@ -28720,7 +28141,7 @@
         </p:nvGrpSpPr>
         <p:grpSpPr>
           <a:xfrm>
-            <a:off x="8600251" y="2038829"/>
+            <a:off x="6221138" y="2038829"/>
             <a:ext cx="1019700" cy="968860"/>
             <a:chOff x="405780" y="2372762"/>
             <a:chExt cx="1019700" cy="968860"/>
@@ -29956,7 +29377,7 @@
         </p:nvGrpSpPr>
         <p:grpSpPr>
           <a:xfrm>
-            <a:off x="7410694" y="2042048"/>
+            <a:off x="5031581" y="2042048"/>
             <a:ext cx="1019700" cy="968860"/>
             <a:chOff x="405780" y="2372762"/>
             <a:chExt cx="1019700" cy="968860"/>
@@ -30145,7 +29566,7 @@
         </p:nvCxnSpPr>
         <p:spPr>
           <a:xfrm flipV="1">
-            <a:off x="8430394" y="2523259"/>
+            <a:off x="6051281" y="2523259"/>
             <a:ext cx="169857" cy="3219"/>
           </a:xfrm>
           <a:prstGeom prst="straightConnector1">
@@ -30754,7 +30175,7 @@
         </p:nvGrpSpPr>
         <p:grpSpPr>
           <a:xfrm>
-            <a:off x="1180579" y="1988840"/>
+            <a:off x="574328" y="1988840"/>
             <a:ext cx="3977729" cy="1074935"/>
             <a:chOff x="1180579" y="1988840"/>
             <a:chExt cx="3977729" cy="1074935"/>
@@ -31582,35 +31003,26 @@
                                   </p:childTnLst>
                                 </p:cTn>
                               </p:par>
+                            </p:childTnLst>
+                          </p:cTn>
+                        </p:par>
+                      </p:childTnLst>
+                    </p:cTn>
+                  </p:par>
+                  <p:par>
+                    <p:cTn id="17" fill="hold">
+                      <p:stCondLst>
+                        <p:cond delay="indefinite"/>
+                      </p:stCondLst>
+                      <p:childTnLst>
+                        <p:par>
+                          <p:cTn id="18" fill="hold">
+                            <p:stCondLst>
+                              <p:cond delay="0"/>
+                            </p:stCondLst>
+                            <p:childTnLst>
                               <p:par>
-                                <p:cTn id="17" presetID="1" presetClass="entr" presetSubtype="0" fill="hold" nodeType="withEffect">
-                                  <p:stCondLst>
-                                    <p:cond delay="0"/>
-                                  </p:stCondLst>
-                                  <p:childTnLst>
-                                    <p:set>
-                                      <p:cBhvr>
-                                        <p:cTn id="18" dur="1" fill="hold">
-                                          <p:stCondLst>
-                                            <p:cond delay="0"/>
-                                          </p:stCondLst>
-                                        </p:cTn>
-                                        <p:tgtEl>
-                                          <p:spTgt spid="20"/>
-                                        </p:tgtEl>
-                                        <p:attrNameLst>
-                                          <p:attrName>style.visibility</p:attrName>
-                                        </p:attrNameLst>
-                                      </p:cBhvr>
-                                      <p:to>
-                                        <p:strVal val="visible"/>
-                                      </p:to>
-                                    </p:set>
-                                  </p:childTnLst>
-                                </p:cTn>
-                              </p:par>
-                              <p:par>
-                                <p:cTn id="19" presetID="1" presetClass="entr" presetSubtype="0" fill="hold" nodeType="withEffect">
+                                <p:cTn id="19" presetID="1" presetClass="entr" presetSubtype="0" fill="hold" nodeType="clickEffect">
                                   <p:stCondLst>
                                     <p:cond delay="0"/>
                                   </p:stCondLst>
@@ -31623,7 +31035,7 @@
                                           </p:stCondLst>
                                         </p:cTn>
                                         <p:tgtEl>
-                                          <p:spTgt spid="28"/>
+                                          <p:spTgt spid="310"/>
                                         </p:tgtEl>
                                         <p:attrNameLst>
                                           <p:attrName>style.visibility</p:attrName>
@@ -31650,7 +31062,7 @@
                                           </p:stCondLst>
                                         </p:cTn>
                                         <p:tgtEl>
-                                          <p:spTgt spid="23"/>
+                                          <p:spTgt spid="261"/>
                                         </p:tgtEl>
                                         <p:attrNameLst>
                                           <p:attrName>style.visibility</p:attrName>
@@ -31677,7 +31089,7 @@
                                           </p:stCondLst>
                                         </p:cTn>
                                         <p:tgtEl>
-                                          <p:spTgt spid="30"/>
+                                          <p:spTgt spid="279"/>
                                         </p:tgtEl>
                                         <p:attrNameLst>
                                           <p:attrName>style.visibility</p:attrName>
@@ -31690,26 +31102,35 @@
                                   </p:childTnLst>
                                 </p:cTn>
                               </p:par>
-                            </p:childTnLst>
-                          </p:cTn>
-                        </p:par>
-                      </p:childTnLst>
-                    </p:cTn>
-                  </p:par>
-                  <p:par>
-                    <p:cTn id="25" fill="hold">
-                      <p:stCondLst>
-                        <p:cond delay="indefinite"/>
-                      </p:stCondLst>
-                      <p:childTnLst>
-                        <p:par>
-                          <p:cTn id="26" fill="hold">
-                            <p:stCondLst>
-                              <p:cond delay="0"/>
-                            </p:stCondLst>
-                            <p:childTnLst>
                               <p:par>
-                                <p:cTn id="27" presetID="1" presetClass="entr" presetSubtype="0" fill="hold" nodeType="clickEffect">
+                                <p:cTn id="25" presetID="1" presetClass="entr" presetSubtype="0" fill="hold" nodeType="withEffect">
+                                  <p:stCondLst>
+                                    <p:cond delay="0"/>
+                                  </p:stCondLst>
+                                  <p:childTnLst>
+                                    <p:set>
+                                      <p:cBhvr>
+                                        <p:cTn id="26" dur="1" fill="hold">
+                                          <p:stCondLst>
+                                            <p:cond delay="0"/>
+                                          </p:stCondLst>
+                                        </p:cTn>
+                                        <p:tgtEl>
+                                          <p:spTgt spid="282"/>
+                                        </p:tgtEl>
+                                        <p:attrNameLst>
+                                          <p:attrName>style.visibility</p:attrName>
+                                        </p:attrNameLst>
+                                      </p:cBhvr>
+                                      <p:to>
+                                        <p:strVal val="visible"/>
+                                      </p:to>
+                                    </p:set>
+                                  </p:childTnLst>
+                                </p:cTn>
+                              </p:par>
+                              <p:par>
+                                <p:cTn id="27" presetID="1" presetClass="entr" presetSubtype="0" fill="hold" nodeType="withEffect">
                                   <p:stCondLst>
                                     <p:cond delay="0"/>
                                   </p:stCondLst>
@@ -31722,7 +31143,7 @@
                                           </p:stCondLst>
                                         </p:cTn>
                                         <p:tgtEl>
-                                          <p:spTgt spid="310"/>
+                                          <p:spTgt spid="263"/>
                                         </p:tgtEl>
                                         <p:attrNameLst>
                                           <p:attrName>style.visibility</p:attrName>
@@ -31749,7 +31170,7 @@
                                           </p:stCondLst>
                                         </p:cTn>
                                         <p:tgtEl>
-                                          <p:spTgt spid="261"/>
+                                          <p:spTgt spid="297"/>
                                         </p:tgtEl>
                                         <p:attrNameLst>
                                           <p:attrName>style.visibility</p:attrName>
@@ -31776,7 +31197,7 @@
                                           </p:stCondLst>
                                         </p:cTn>
                                         <p:tgtEl>
-                                          <p:spTgt spid="279"/>
+                                          <p:spTgt spid="302"/>
                                         </p:tgtEl>
                                         <p:attrNameLst>
                                           <p:attrName>style.visibility</p:attrName>
@@ -31803,7 +31224,7 @@
                                           </p:stCondLst>
                                         </p:cTn>
                                         <p:tgtEl>
-                                          <p:spTgt spid="282"/>
+                                          <p:spTgt spid="304"/>
                                         </p:tgtEl>
                                         <p:attrNameLst>
                                           <p:attrName>style.visibility</p:attrName>
@@ -31830,7 +31251,7 @@
                                           </p:stCondLst>
                                         </p:cTn>
                                         <p:tgtEl>
-                                          <p:spTgt spid="263"/>
+                                          <p:spTgt spid="311"/>
                                         </p:tgtEl>
                                         <p:attrNameLst>
                                           <p:attrName>style.visibility</p:attrName>
@@ -31857,7 +31278,7 @@
                                           </p:stCondLst>
                                         </p:cTn>
                                         <p:tgtEl>
-                                          <p:spTgt spid="297"/>
+                                          <p:spTgt spid="318"/>
                                         </p:tgtEl>
                                         <p:attrNameLst>
                                           <p:attrName>style.visibility</p:attrName>
@@ -31884,7 +31305,7 @@
                                           </p:stCondLst>
                                         </p:cTn>
                                         <p:tgtEl>
-                                          <p:spTgt spid="302"/>
+                                          <p:spTgt spid="293"/>
                                         </p:tgtEl>
                                         <p:attrNameLst>
                                           <p:attrName>style.visibility</p:attrName>
@@ -31911,7 +31332,7 @@
                                           </p:stCondLst>
                                         </p:cTn>
                                         <p:tgtEl>
-                                          <p:spTgt spid="304"/>
+                                          <p:spTgt spid="289"/>
                                         </p:tgtEl>
                                         <p:attrNameLst>
                                           <p:attrName>style.visibility</p:attrName>
@@ -31924,35 +31345,26 @@
                                   </p:childTnLst>
                                 </p:cTn>
                               </p:par>
+                            </p:childTnLst>
+                          </p:cTn>
+                        </p:par>
+                      </p:childTnLst>
+                    </p:cTn>
+                  </p:par>
+                  <p:par>
+                    <p:cTn id="43" fill="hold">
+                      <p:stCondLst>
+                        <p:cond delay="indefinite"/>
+                      </p:stCondLst>
+                      <p:childTnLst>
+                        <p:par>
+                          <p:cTn id="44" fill="hold">
+                            <p:stCondLst>
+                              <p:cond delay="0"/>
+                            </p:stCondLst>
+                            <p:childTnLst>
                               <p:par>
-                                <p:cTn id="43" presetID="1" presetClass="entr" presetSubtype="0" fill="hold" nodeType="withEffect">
-                                  <p:stCondLst>
-                                    <p:cond delay="0"/>
-                                  </p:stCondLst>
-                                  <p:childTnLst>
-                                    <p:set>
-                                      <p:cBhvr>
-                                        <p:cTn id="44" dur="1" fill="hold">
-                                          <p:stCondLst>
-                                            <p:cond delay="0"/>
-                                          </p:stCondLst>
-                                        </p:cTn>
-                                        <p:tgtEl>
-                                          <p:spTgt spid="311"/>
-                                        </p:tgtEl>
-                                        <p:attrNameLst>
-                                          <p:attrName>style.visibility</p:attrName>
-                                        </p:attrNameLst>
-                                      </p:cBhvr>
-                                      <p:to>
-                                        <p:strVal val="visible"/>
-                                      </p:to>
-                                    </p:set>
-                                  </p:childTnLst>
-                                </p:cTn>
-                              </p:par>
-                              <p:par>
-                                <p:cTn id="45" presetID="1" presetClass="entr" presetSubtype="0" fill="hold" nodeType="withEffect">
+                                <p:cTn id="45" presetID="1" presetClass="entr" presetSubtype="0" fill="hold" nodeType="clickEffect">
                                   <p:stCondLst>
                                     <p:cond delay="0"/>
                                   </p:stCondLst>
@@ -31965,7 +31377,7 @@
                                           </p:stCondLst>
                                         </p:cTn>
                                         <p:tgtEl>
-                                          <p:spTgt spid="318"/>
+                                          <p:spTgt spid="256"/>
                                         </p:tgtEl>
                                         <p:attrNameLst>
                                           <p:attrName>style.visibility</p:attrName>
@@ -31992,7 +31404,7 @@
                                           </p:stCondLst>
                                         </p:cTn>
                                         <p:tgtEl>
-                                          <p:spTgt spid="293"/>
+                                          <p:spTgt spid="257"/>
                                         </p:tgtEl>
                                         <p:attrNameLst>
                                           <p:attrName>style.visibility</p:attrName>
@@ -32019,7 +31431,7 @@
                                           </p:stCondLst>
                                         </p:cTn>
                                         <p:tgtEl>
-                                          <p:spTgt spid="289"/>
+                                          <p:spTgt spid="259"/>
                                         </p:tgtEl>
                                         <p:attrNameLst>
                                           <p:attrName>style.visibility</p:attrName>
@@ -32032,26 +31444,35 @@
                                   </p:childTnLst>
                                 </p:cTn>
                               </p:par>
-                            </p:childTnLst>
-                          </p:cTn>
-                        </p:par>
-                      </p:childTnLst>
-                    </p:cTn>
-                  </p:par>
-                  <p:par>
-                    <p:cTn id="51" fill="hold">
-                      <p:stCondLst>
-                        <p:cond delay="indefinite"/>
-                      </p:stCondLst>
-                      <p:childTnLst>
-                        <p:par>
-                          <p:cTn id="52" fill="hold">
-                            <p:stCondLst>
-                              <p:cond delay="0"/>
-                            </p:stCondLst>
-                            <p:childTnLst>
                               <p:par>
-                                <p:cTn id="53" presetID="1" presetClass="entr" presetSubtype="0" fill="hold" nodeType="clickEffect">
+                                <p:cTn id="51" presetID="1" presetClass="entr" presetSubtype="0" fill="hold" nodeType="withEffect">
+                                  <p:stCondLst>
+                                    <p:cond delay="0"/>
+                                  </p:stCondLst>
+                                  <p:childTnLst>
+                                    <p:set>
+                                      <p:cBhvr>
+                                        <p:cTn id="52" dur="1" fill="hold">
+                                          <p:stCondLst>
+                                            <p:cond delay="0"/>
+                                          </p:stCondLst>
+                                        </p:cTn>
+                                        <p:tgtEl>
+                                          <p:spTgt spid="260"/>
+                                        </p:tgtEl>
+                                        <p:attrNameLst>
+                                          <p:attrName>style.visibility</p:attrName>
+                                        </p:attrNameLst>
+                                      </p:cBhvr>
+                                      <p:to>
+                                        <p:strVal val="visible"/>
+                                      </p:to>
+                                    </p:set>
+                                  </p:childTnLst>
+                                </p:cTn>
+                              </p:par>
+                              <p:par>
+                                <p:cTn id="53" presetID="1" presetClass="entr" presetSubtype="0" fill="hold" nodeType="withEffect">
                                   <p:stCondLst>
                                     <p:cond delay="0"/>
                                   </p:stCondLst>
@@ -32064,7 +31485,7 @@
                                           </p:stCondLst>
                                         </p:cTn>
                                         <p:tgtEl>
-                                          <p:spTgt spid="256"/>
+                                          <p:spTgt spid="258"/>
                                         </p:tgtEl>
                                         <p:attrNameLst>
                                           <p:attrName>style.visibility</p:attrName>
@@ -32091,7 +31512,7 @@
                                           </p:stCondLst>
                                         </p:cTn>
                                         <p:tgtEl>
-                                          <p:spTgt spid="257"/>
+                                          <p:spTgt spid="246"/>
                                         </p:tgtEl>
                                         <p:attrNameLst>
                                           <p:attrName>style.visibility</p:attrName>
@@ -32118,7 +31539,7 @@
                                           </p:stCondLst>
                                         </p:cTn>
                                         <p:tgtEl>
-                                          <p:spTgt spid="259"/>
+                                          <p:spTgt spid="228"/>
                                         </p:tgtEl>
                                         <p:attrNameLst>
                                           <p:attrName>style.visibility</p:attrName>
@@ -32145,7 +31566,7 @@
                                           </p:stCondLst>
                                         </p:cTn>
                                         <p:tgtEl>
-                                          <p:spTgt spid="260"/>
+                                          <p:spTgt spid="167"/>
                                         </p:tgtEl>
                                         <p:attrNameLst>
                                           <p:attrName>style.visibility</p:attrName>
@@ -32158,35 +31579,26 @@
                                   </p:childTnLst>
                                 </p:cTn>
                               </p:par>
+                            </p:childTnLst>
+                          </p:cTn>
+                        </p:par>
+                      </p:childTnLst>
+                    </p:cTn>
+                  </p:par>
+                  <p:par>
+                    <p:cTn id="61" fill="hold">
+                      <p:stCondLst>
+                        <p:cond delay="indefinite"/>
+                      </p:stCondLst>
+                      <p:childTnLst>
+                        <p:par>
+                          <p:cTn id="62" fill="hold">
+                            <p:stCondLst>
+                              <p:cond delay="0"/>
+                            </p:stCondLst>
+                            <p:childTnLst>
                               <p:par>
-                                <p:cTn id="61" presetID="1" presetClass="entr" presetSubtype="0" fill="hold" nodeType="withEffect">
-                                  <p:stCondLst>
-                                    <p:cond delay="0"/>
-                                  </p:stCondLst>
-                                  <p:childTnLst>
-                                    <p:set>
-                                      <p:cBhvr>
-                                        <p:cTn id="62" dur="1" fill="hold">
-                                          <p:stCondLst>
-                                            <p:cond delay="0"/>
-                                          </p:stCondLst>
-                                        </p:cTn>
-                                        <p:tgtEl>
-                                          <p:spTgt spid="258"/>
-                                        </p:tgtEl>
-                                        <p:attrNameLst>
-                                          <p:attrName>style.visibility</p:attrName>
-                                        </p:attrNameLst>
-                                      </p:cBhvr>
-                                      <p:to>
-                                        <p:strVal val="visible"/>
-                                      </p:to>
-                                    </p:set>
-                                  </p:childTnLst>
-                                </p:cTn>
-                              </p:par>
-                              <p:par>
-                                <p:cTn id="63" presetID="1" presetClass="entr" presetSubtype="0" fill="hold" nodeType="withEffect">
+                                <p:cTn id="63" presetID="1" presetClass="entr" presetSubtype="0" fill="hold" nodeType="clickEffect">
                                   <p:stCondLst>
                                     <p:cond delay="0"/>
                                   </p:stCondLst>
@@ -32199,7 +31611,7 @@
                                           </p:stCondLst>
                                         </p:cTn>
                                         <p:tgtEl>
-                                          <p:spTgt spid="246"/>
+                                          <p:spTgt spid="313"/>
                                         </p:tgtEl>
                                         <p:attrNameLst>
                                           <p:attrName>style.visibility</p:attrName>
@@ -32226,7 +31638,7 @@
                                           </p:stCondLst>
                                         </p:cTn>
                                         <p:tgtEl>
-                                          <p:spTgt spid="228"/>
+                                          <p:spTgt spid="173"/>
                                         </p:tgtEl>
                                         <p:attrNameLst>
                                           <p:attrName>style.visibility</p:attrName>
@@ -32253,7 +31665,7 @@
                                           </p:stCondLst>
                                         </p:cTn>
                                         <p:tgtEl>
-                                          <p:spTgt spid="167"/>
+                                          <p:spTgt spid="249"/>
                                         </p:tgtEl>
                                         <p:attrNameLst>
                                           <p:attrName>style.visibility</p:attrName>
@@ -32298,7 +31710,7 @@
                                           </p:stCondLst>
                                         </p:cTn>
                                         <p:tgtEl>
-                                          <p:spTgt spid="313"/>
+                                          <p:spTgt spid="158"/>
                                         </p:tgtEl>
                                         <p:attrNameLst>
                                           <p:attrName>style.visibility</p:attrName>
@@ -32325,7 +31737,7 @@
                                           </p:stCondLst>
                                         </p:cTn>
                                         <p:tgtEl>
-                                          <p:spTgt spid="173"/>
+                                          <p:spTgt spid="174"/>
                                         </p:tgtEl>
                                         <p:attrNameLst>
                                           <p:attrName>style.visibility</p:attrName>
@@ -32352,7 +31764,7 @@
                                           </p:stCondLst>
                                         </p:cTn>
                                         <p:tgtEl>
-                                          <p:spTgt spid="249"/>
+                                          <p:spTgt spid="255"/>
                                         </p:tgtEl>
                                         <p:attrNameLst>
                                           <p:attrName>style.visibility</p:attrName>
@@ -32397,7 +31809,7 @@
                                           </p:stCondLst>
                                         </p:cTn>
                                         <p:tgtEl>
-                                          <p:spTgt spid="158"/>
+                                          <p:spTgt spid="151"/>
                                         </p:tgtEl>
                                         <p:attrNameLst>
                                           <p:attrName>style.visibility</p:attrName>
@@ -32424,7 +31836,7 @@
                                           </p:stCondLst>
                                         </p:cTn>
                                         <p:tgtEl>
-                                          <p:spTgt spid="174"/>
+                                          <p:spTgt spid="283"/>
                                         </p:tgtEl>
                                         <p:attrNameLst>
                                           <p:attrName>style.visibility</p:attrName>
@@ -32451,7 +31863,7 @@
                                           </p:stCondLst>
                                         </p:cTn>
                                         <p:tgtEl>
-                                          <p:spTgt spid="255"/>
+                                          <p:spTgt spid="288"/>
                                         </p:tgtEl>
                                         <p:attrNameLst>
                                           <p:attrName>style.visibility</p:attrName>
@@ -32491,105 +31903,6 @@
                                     <p:set>
                                       <p:cBhvr>
                                         <p:cTn id="88" dur="1" fill="hold">
-                                          <p:stCondLst>
-                                            <p:cond delay="0"/>
-                                          </p:stCondLst>
-                                        </p:cTn>
-                                        <p:tgtEl>
-                                          <p:spTgt spid="151"/>
-                                        </p:tgtEl>
-                                        <p:attrNameLst>
-                                          <p:attrName>style.visibility</p:attrName>
-                                        </p:attrNameLst>
-                                      </p:cBhvr>
-                                      <p:to>
-                                        <p:strVal val="visible"/>
-                                      </p:to>
-                                    </p:set>
-                                  </p:childTnLst>
-                                </p:cTn>
-                              </p:par>
-                              <p:par>
-                                <p:cTn id="89" presetID="1" presetClass="entr" presetSubtype="0" fill="hold" nodeType="withEffect">
-                                  <p:stCondLst>
-                                    <p:cond delay="0"/>
-                                  </p:stCondLst>
-                                  <p:childTnLst>
-                                    <p:set>
-                                      <p:cBhvr>
-                                        <p:cTn id="90" dur="1" fill="hold">
-                                          <p:stCondLst>
-                                            <p:cond delay="0"/>
-                                          </p:stCondLst>
-                                        </p:cTn>
-                                        <p:tgtEl>
-                                          <p:spTgt spid="283"/>
-                                        </p:tgtEl>
-                                        <p:attrNameLst>
-                                          <p:attrName>style.visibility</p:attrName>
-                                        </p:attrNameLst>
-                                      </p:cBhvr>
-                                      <p:to>
-                                        <p:strVal val="visible"/>
-                                      </p:to>
-                                    </p:set>
-                                  </p:childTnLst>
-                                </p:cTn>
-                              </p:par>
-                              <p:par>
-                                <p:cTn id="91" presetID="1" presetClass="entr" presetSubtype="0" fill="hold" nodeType="withEffect">
-                                  <p:stCondLst>
-                                    <p:cond delay="0"/>
-                                  </p:stCondLst>
-                                  <p:childTnLst>
-                                    <p:set>
-                                      <p:cBhvr>
-                                        <p:cTn id="92" dur="1" fill="hold">
-                                          <p:stCondLst>
-                                            <p:cond delay="0"/>
-                                          </p:stCondLst>
-                                        </p:cTn>
-                                        <p:tgtEl>
-                                          <p:spTgt spid="288"/>
-                                        </p:tgtEl>
-                                        <p:attrNameLst>
-                                          <p:attrName>style.visibility</p:attrName>
-                                        </p:attrNameLst>
-                                      </p:cBhvr>
-                                      <p:to>
-                                        <p:strVal val="visible"/>
-                                      </p:to>
-                                    </p:set>
-                                  </p:childTnLst>
-                                </p:cTn>
-                              </p:par>
-                            </p:childTnLst>
-                          </p:cTn>
-                        </p:par>
-                      </p:childTnLst>
-                    </p:cTn>
-                  </p:par>
-                  <p:par>
-                    <p:cTn id="93" fill="hold">
-                      <p:stCondLst>
-                        <p:cond delay="indefinite"/>
-                      </p:stCondLst>
-                      <p:childTnLst>
-                        <p:par>
-                          <p:cTn id="94" fill="hold">
-                            <p:stCondLst>
-                              <p:cond delay="0"/>
-                            </p:stCondLst>
-                            <p:childTnLst>
-                              <p:par>
-                                <p:cTn id="95" presetID="1" presetClass="entr" presetSubtype="0" fill="hold" nodeType="clickEffect">
-                                  <p:stCondLst>
-                                    <p:cond delay="0"/>
-                                  </p:stCondLst>
-                                  <p:childTnLst>
-                                    <p:set>
-                                      <p:cBhvr>
-                                        <p:cTn id="96" dur="1" fill="hold">
                                           <p:stCondLst>
                                             <p:cond delay="0"/>
                                           </p:stCondLst>

--- a/cloudera-framework-main/cloudera-framework-main-archetype/src/main/resources/archetype-resources/src/site/resources/Archetype_Architecture.pptx
+++ b/cloudera-framework-main/cloudera-framework-main-archetype/src/main/resources/archetype-resources/src/site/resources/Archetype_Architecture.pptx
@@ -197,7 +197,7 @@
           <a:p>
             <a:fld id="{C5389D1C-CB14-984D-9CE7-9AA778768F1D}" type="datetimeFigureOut">
               <a:rPr lang="en-US" smtClean="0"/>
-              <a:t>24/09/15</a:t>
+              <a:t>29/09/15</a:t>
             </a:fld>
             <a:endParaRPr lang="en-GB"/>
           </a:p>
@@ -17727,7 +17727,7 @@
                     <a:rPr lang="en-US" sz="1000" dirty="0" smtClean="0">
                       <a:cs typeface="Calibri Light"/>
                     </a:rPr>
-                    <a:t>Backup/DR</a:t>
+                    <a:t>Recover</a:t>
                   </a:r>
                   <a:endParaRPr lang="en-US" sz="1000" dirty="0">
                     <a:solidFill>
@@ -17978,7 +17978,7 @@
                     <a:rPr lang="en-US" sz="1000" dirty="0" smtClean="0">
                       <a:cs typeface="Calibri Light"/>
                     </a:rPr>
-                    <a:t>API/SNMP</a:t>
+                    <a:t>Integrate</a:t>
                   </a:r>
                   <a:endParaRPr lang="en-US" sz="1000" dirty="0">
                     <a:solidFill>
@@ -18056,9 +18056,6 @@
                 </a:rPr>
                 <a:t>Roles</a:t>
               </a:r>
-              <a:endParaRPr lang="en-US" sz="1400" dirty="0" smtClean="0">
-                <a:cs typeface="Calibri Light"/>
-              </a:endParaRPr>
             </a:p>
           </p:txBody>
         </p:sp>
@@ -21230,9 +21227,6 @@
                 </a:rPr>
                 <a:t>Context</a:t>
               </a:r>
-              <a:endParaRPr lang="en-US" sz="1400" dirty="0" smtClean="0">
-                <a:cs typeface="Calibri Light"/>
-              </a:endParaRPr>
             </a:p>
           </p:txBody>
         </p:sp>
@@ -24176,9 +24170,6 @@
                 </a:rPr>
                 <a:t>Admin x1</a:t>
               </a:r>
-              <a:endParaRPr lang="en-US" sz="1400" dirty="0" smtClean="0">
-                <a:cs typeface="Calibri Light"/>
-              </a:endParaRPr>
             </a:p>
           </p:txBody>
         </p:sp>
@@ -25562,9 +25553,6 @@
                 </a:rPr>
                 <a:t>Edge xM</a:t>
               </a:r>
-              <a:endParaRPr lang="en-US" sz="1400" dirty="0" smtClean="0">
-                <a:cs typeface="Calibri Light"/>
-              </a:endParaRPr>
             </a:p>
           </p:txBody>
         </p:sp>
@@ -26498,11 +26486,7 @@
             </a:r>
             <a:r>
               <a:rPr lang="en-GB" dirty="0" smtClean="0"/>
-              <a:t>Ingest &amp; Processing </a:t>
-            </a:r>
-            <a:r>
-              <a:rPr lang="en-GB" dirty="0" smtClean="0"/>
-              <a:t>Pipeline</a:t>
+              <a:t>Ingest &amp; Processing Pipeline</a:t>
             </a:r>
             <a:endParaRPr lang="en-GB" dirty="0"/>
           </a:p>
@@ -33424,9 +33408,6 @@
                 </a:rPr>
                 <a:t>Latency</a:t>
               </a:r>
-              <a:endParaRPr lang="en-US" sz="1400" dirty="0" smtClean="0">
-                <a:cs typeface="Calibri Light"/>
-              </a:endParaRPr>
             </a:p>
           </p:txBody>
         </p:sp>
@@ -35334,11 +35315,7 @@
             </a:r>
             <a:r>
               <a:rPr lang="en-GB" dirty="0" smtClean="0"/>
-              <a:t>Access &amp; </a:t>
-            </a:r>
-            <a:r>
-              <a:rPr lang="en-GB" dirty="0" smtClean="0"/>
-              <a:t>Governance</a:t>
+              <a:t>Access &amp; Governance</a:t>
             </a:r>
             <a:endParaRPr lang="en-GB" dirty="0"/>
           </a:p>

--- a/cloudera-framework-main/cloudera-framework-main-archetype/src/main/resources/archetype-resources/src/site/resources/Archetype_Architecture.pptx
+++ b/cloudera-framework-main/cloudera-framework-main-archetype/src/main/resources/archetype-resources/src/site/resources/Archetype_Architecture.pptx
@@ -5,7 +5,7 @@
     <p:sldMasterId id="2147483790" r:id="rId1"/>
   </p:sldMasterIdLst>
   <p:notesMasterIdLst>
-    <p:notesMasterId r:id="rId8"/>
+    <p:notesMasterId r:id="rId9"/>
   </p:notesMasterIdLst>
   <p:sldIdLst>
     <p:sldId id="256" r:id="rId2"/>
@@ -13,7 +13,8 @@
     <p:sldId id="341" r:id="rId4"/>
     <p:sldId id="346" r:id="rId5"/>
     <p:sldId id="347" r:id="rId6"/>
-    <p:sldId id="315" r:id="rId7"/>
+    <p:sldId id="350" r:id="rId7"/>
+    <p:sldId id="315" r:id="rId8"/>
   </p:sldIdLst>
   <p:sldSz cx="12188825" cy="6858000"/>
   <p:notesSz cx="6858000" cy="9144000"/>
@@ -197,7 +198,7 @@
           <a:p>
             <a:fld id="{C5389D1C-CB14-984D-9CE7-9AA778768F1D}" type="datetimeFigureOut">
               <a:rPr lang="en-US" smtClean="0"/>
-              <a:t>29/09/15</a:t>
+              <a:t>08/10/15</a:t>
             </a:fld>
             <a:endParaRPr lang="en-GB"/>
           </a:p>
@@ -15355,11 +15356,15 @@
               <a:rPr lang="en-GB" dirty="0" smtClean="0"/>
               <a:t>Cloudera Framework</a:t>
             </a:r>
+            <a:r>
+              <a:rPr lang="en-GB" smtClean="0"/>
+              <a:t/>
+            </a:r>
             <a:br>
-              <a:rPr lang="en-GB" dirty="0" smtClean="0"/>
+              <a:rPr lang="en-GB" smtClean="0"/>
             </a:br>
             <a:r>
-              <a:rPr lang="en-GB" dirty="0" smtClean="0"/>
+              <a:rPr lang="en-GB" smtClean="0"/>
               <a:t>Archetype Architecture</a:t>
             </a:r>
             <a:endParaRPr lang="en-GB" dirty="0"/>
@@ -42542,6 +42547,71 @@
       </p:grpSpPr>
       <p:sp>
         <p:nvSpPr>
+          <p:cNvPr id="2" name="Title 1"/>
+          <p:cNvSpPr>
+            <a:spLocks noGrp="1"/>
+          </p:cNvSpPr>
+          <p:nvPr>
+            <p:ph type="title"/>
+          </p:nvPr>
+        </p:nvSpPr>
+        <p:spPr/>
+        <p:txBody>
+          <a:bodyPr/>
+          <a:lstStyle/>
+          <a:p>
+            <a:r>
+              <a:rPr lang="en-GB" dirty="0" smtClean="0"/>
+              <a:t>Transform, Load, BI &amp; Reporting</a:t>
+            </a:r>
+            <a:endParaRPr lang="en-GB" dirty="0"/>
+          </a:p>
+        </p:txBody>
+      </p:sp>
+    </p:spTree>
+    <p:extLst>
+      <p:ext uri="{BB962C8B-B14F-4D97-AF65-F5344CB8AC3E}">
+        <p14:creationId xmlns:p14="http://schemas.microsoft.com/office/powerpoint/2010/main" val="4253763995"/>
+      </p:ext>
+    </p:extLst>
+  </p:cSld>
+  <p:clrMapOvr>
+    <a:masterClrMapping/>
+  </p:clrMapOvr>
+  <mc:AlternateContent xmlns:mc="http://schemas.openxmlformats.org/markup-compatibility/2006" xmlns:p14="http://schemas.microsoft.com/office/powerpoint/2010/main">
+    <mc:Choice Requires="p14">
+      <p:transition spd="med" p14:dur="700">
+        <p:fade/>
+      </p:transition>
+    </mc:Choice>
+    <mc:Fallback xmlns="">
+      <p:transition xmlns:p14="http://schemas.microsoft.com/office/powerpoint/2010/main" spd="med">
+        <p:fade/>
+      </p:transition>
+    </mc:Fallback>
+  </mc:AlternateContent>
+</p:sld>
+</file>
+
+<file path=ppt/slides/slide7.xml><?xml version="1.0" encoding="utf-8"?>
+<p:sld xmlns:a="http://schemas.openxmlformats.org/drawingml/2006/main" xmlns:r="http://schemas.openxmlformats.org/officeDocument/2006/relationships" xmlns:p="http://schemas.openxmlformats.org/presentationml/2006/main">
+  <p:cSld>
+    <p:spTree>
+      <p:nvGrpSpPr>
+        <p:cNvPr id="1" name=""/>
+        <p:cNvGrpSpPr/>
+        <p:nvPr/>
+      </p:nvGrpSpPr>
+      <p:grpSpPr>
+        <a:xfrm>
+          <a:off x="0" y="0"/>
+          <a:ext cx="0" cy="0"/>
+          <a:chOff x="0" y="0"/>
+          <a:chExt cx="0" cy="0"/>
+        </a:xfrm>
+      </p:grpSpPr>
+      <p:sp>
+        <p:nvSpPr>
           <p:cNvPr id="4" name="Title 3"/>
           <p:cNvSpPr>
             <a:spLocks noGrp="1"/>
